--- a/Licenta2018DanilaMariusCristian/prezentare.pptx
+++ b/Licenta2018DanilaMariusCristian/prezentare.pptx
@@ -3589,11 +3589,23 @@
             </a:r>
             <a:r>
               <a:rPr lang="en-US" dirty="0" err="1" smtClean="0"/>
-              <a:t>algoritmiinspirati</a:t>
+              <a:t>algoritmi</a:t>
             </a:r>
             <a:r>
               <a:rPr lang="en-US" dirty="0" smtClean="0"/>
-              <a:t> de </a:t>
+              <a:t> </a:t>
+            </a:r>
+            <a:r>
+              <a:rPr lang="en-US" dirty="0" err="1" smtClean="0"/>
+              <a:t>inspirati</a:t>
+            </a:r>
+            <a:r>
+              <a:rPr lang="en-US" dirty="0" smtClean="0"/>
+              <a:t> </a:t>
+            </a:r>
+            <a:r>
+              <a:rPr lang="en-US" dirty="0" smtClean="0"/>
+              <a:t>de </a:t>
             </a:r>
             <a:r>
               <a:rPr lang="en-US" dirty="0" err="1" smtClean="0"/>
@@ -4045,11 +4057,15 @@
             </a:pPr>
             <a:r>
               <a:rPr lang="en-US" dirty="0" err="1" smtClean="0"/>
-              <a:t>Capate</a:t>
+              <a:t>Capete</a:t>
             </a:r>
             <a:r>
               <a:rPr lang="en-US" dirty="0" smtClean="0"/>
-              <a:t> de </a:t>
+              <a:t> </a:t>
+            </a:r>
+            <a:r>
+              <a:rPr lang="en-US" dirty="0" smtClean="0"/>
+              <a:t>de </a:t>
             </a:r>
             <a:r>
               <a:rPr lang="en-US" dirty="0" err="1" smtClean="0"/>
@@ -4285,8 +4301,8 @@
         </p:nvSpPr>
         <p:spPr>
           <a:xfrm>
-            <a:off x="622300" y="1801300"/>
-            <a:ext cx="2806700" cy="1200329"/>
+            <a:off x="622299" y="1801300"/>
+            <a:ext cx="3087551" cy="1200329"/>
           </a:xfrm>
           <a:prstGeom prst="rect">
             <a:avLst/>
@@ -4322,12 +4338,16 @@
               <a:t>Modele</a:t>
             </a:r>
             <a:r>
+              <a:rPr lang="en-US" dirty="0" err="1" smtClean="0"/>
+              <a:t>le</a:t>
+            </a:r>
+            <a:r>
               <a:rPr lang="en-US" dirty="0" smtClean="0"/>
               <a:t> </a:t>
             </a:r>
             <a:r>
               <a:rPr lang="en-US" dirty="0" err="1" smtClean="0"/>
-              <a:t>propiu</a:t>
+              <a:t>propriu</a:t>
             </a:r>
             <a:r>
               <a:rPr lang="en-US" dirty="0" smtClean="0"/>
@@ -7959,7 +7979,7 @@
             </a:pPr>
             <a:r>
               <a:rPr lang="en-US" dirty="0" err="1" smtClean="0"/>
-              <a:t>Rezultate</a:t>
+              <a:t>Rezultatele</a:t>
             </a:r>
             <a:r>
               <a:rPr lang="en-US" dirty="0" smtClean="0"/>
@@ -9107,8 +9127,8 @@
           </p:sp>
         </mc:Fallback>
       </mc:AlternateContent>
-      <mc:AlternateContent xmlns:mc="http://schemas.openxmlformats.org/markup-compatibility/2006" xmlns:a14="http://schemas.microsoft.com/office/drawing/2010/main">
-        <mc:Choice Requires="a14">
+      <mc:AlternateContent xmlns:mc="http://schemas.openxmlformats.org/markup-compatibility/2006">
+        <mc:Choice xmlns:a14="http://schemas.microsoft.com/office/drawing/2010/main" Requires="a14">
           <p:sp>
             <p:nvSpPr>
               <p:cNvPr id="22" name="TextBox 21"/>
@@ -9118,7 +9138,7 @@
             <p:spPr>
               <a:xfrm>
                 <a:off x="1699169" y="3707348"/>
-                <a:ext cx="980525" cy="276999"/>
+                <a:ext cx="1046825" cy="276999"/>
               </a:xfrm>
               <a:prstGeom prst="rect">
                 <a:avLst/>
@@ -9145,7 +9165,13 @@
                         <a:rPr lang="en-US" i="1" dirty="0" smtClean="0">
                           <a:latin typeface="Cambria Math" panose="02040503050406030204" pitchFamily="18" charset="0"/>
                         </a:rPr>
-                        <m:t>min</m:t>
+                        <m:t>m</m:t>
+                      </m:r>
+                      <m:r>
+                        <a:rPr lang="en-US" b="0" i="1" dirty="0" smtClean="0">
+                          <a:latin typeface="Cambria Math" panose="02040503050406030204" pitchFamily="18" charset="0"/>
+                        </a:rPr>
+                        <m:t>𝑎𝑥</m:t>
                       </m:r>
                       <m:r>
                         <a:rPr lang="en-US" i="1" dirty="0" smtClean="0">
@@ -9185,7 +9211,7 @@
             </p:txBody>
           </p:sp>
         </mc:Choice>
-        <mc:Fallback xmlns="">
+        <mc:Fallback>
           <p:sp>
             <p:nvSpPr>
               <p:cNvPr id="22" name="TextBox 21"/>
@@ -9197,7 +9223,7 @@
             <p:spPr>
               <a:xfrm>
                 <a:off x="1699169" y="3707348"/>
-                <a:ext cx="980525" cy="276999"/>
+                <a:ext cx="1046825" cy="276999"/>
               </a:xfrm>
               <a:prstGeom prst="rect">
                 <a:avLst/>
@@ -9205,7 +9231,7 @@
               <a:blipFill>
                 <a:blip r:embed="rId6"/>
                 <a:stretch>
-                  <a:fillRect l="-5590" t="-2174" r="-8075" b="-32609"/>
+                  <a:fillRect l="-2924" t="-2174" r="-8187" b="-32609"/>
                 </a:stretch>
               </a:blipFill>
             </p:spPr>
@@ -17401,8 +17427,8 @@
           </a:graphicData>
         </a:graphic>
       </p:graphicFrame>
-      <mc:AlternateContent xmlns:mc="http://schemas.openxmlformats.org/markup-compatibility/2006">
-        <mc:Choice xmlns:a14="http://schemas.microsoft.com/office/drawing/2010/main" Requires="a14">
+      <mc:AlternateContent xmlns:mc="http://schemas.openxmlformats.org/markup-compatibility/2006" xmlns:a14="http://schemas.microsoft.com/office/drawing/2010/main">
+        <mc:Choice Requires="a14">
           <p:sp>
             <p:nvSpPr>
               <p:cNvPr id="4" name="TextBox 3"/>
@@ -17594,7 +17620,7 @@
             </p:txBody>
           </p:sp>
         </mc:Choice>
-        <mc:Fallback>
+        <mc:Fallback xmlns="">
           <p:sp>
             <p:nvSpPr>
               <p:cNvPr id="4" name="TextBox 3"/>
